--- a/2-4_SVM.pptx
+++ b/2-4_SVM.pptx
@@ -264,7 +264,7 @@
           <a:p>
             <a:fld id="{0F290978-2F1A-4716-ADFB-98DE0CA36D07}" type="datetimeFigureOut">
               <a:rPr lang="ko-KR" altLang="en-US" smtClean="0"/>
-              <a:t>2022-04-01</a:t>
+              <a:t>2022-04-11</a:t>
             </a:fld>
             <a:endParaRPr lang="ko-KR" altLang="en-US"/>
           </a:p>
@@ -462,7 +462,7 @@
           <a:p>
             <a:fld id="{0F290978-2F1A-4716-ADFB-98DE0CA36D07}" type="datetimeFigureOut">
               <a:rPr lang="ko-KR" altLang="en-US" smtClean="0"/>
-              <a:t>2022-04-01</a:t>
+              <a:t>2022-04-11</a:t>
             </a:fld>
             <a:endParaRPr lang="ko-KR" altLang="en-US"/>
           </a:p>
@@ -670,7 +670,7 @@
           <a:p>
             <a:fld id="{0F290978-2F1A-4716-ADFB-98DE0CA36D07}" type="datetimeFigureOut">
               <a:rPr lang="ko-KR" altLang="en-US" smtClean="0"/>
-              <a:t>2022-04-01</a:t>
+              <a:t>2022-04-11</a:t>
             </a:fld>
             <a:endParaRPr lang="ko-KR" altLang="en-US"/>
           </a:p>
@@ -868,7 +868,7 @@
           <a:p>
             <a:fld id="{0F290978-2F1A-4716-ADFB-98DE0CA36D07}" type="datetimeFigureOut">
               <a:rPr lang="ko-KR" altLang="en-US" smtClean="0"/>
-              <a:t>2022-04-01</a:t>
+              <a:t>2022-04-11</a:t>
             </a:fld>
             <a:endParaRPr lang="ko-KR" altLang="en-US"/>
           </a:p>
@@ -1143,7 +1143,7 @@
           <a:p>
             <a:fld id="{0F290978-2F1A-4716-ADFB-98DE0CA36D07}" type="datetimeFigureOut">
               <a:rPr lang="ko-KR" altLang="en-US" smtClean="0"/>
-              <a:t>2022-04-01</a:t>
+              <a:t>2022-04-11</a:t>
             </a:fld>
             <a:endParaRPr lang="ko-KR" altLang="en-US"/>
           </a:p>
@@ -1408,7 +1408,7 @@
           <a:p>
             <a:fld id="{0F290978-2F1A-4716-ADFB-98DE0CA36D07}" type="datetimeFigureOut">
               <a:rPr lang="ko-KR" altLang="en-US" smtClean="0"/>
-              <a:t>2022-04-01</a:t>
+              <a:t>2022-04-11</a:t>
             </a:fld>
             <a:endParaRPr lang="ko-KR" altLang="en-US"/>
           </a:p>
@@ -1820,7 +1820,7 @@
           <a:p>
             <a:fld id="{0F290978-2F1A-4716-ADFB-98DE0CA36D07}" type="datetimeFigureOut">
               <a:rPr lang="ko-KR" altLang="en-US" smtClean="0"/>
-              <a:t>2022-04-01</a:t>
+              <a:t>2022-04-11</a:t>
             </a:fld>
             <a:endParaRPr lang="ko-KR" altLang="en-US"/>
           </a:p>
@@ -1961,7 +1961,7 @@
           <a:p>
             <a:fld id="{0F290978-2F1A-4716-ADFB-98DE0CA36D07}" type="datetimeFigureOut">
               <a:rPr lang="ko-KR" altLang="en-US" smtClean="0"/>
-              <a:t>2022-04-01</a:t>
+              <a:t>2022-04-11</a:t>
             </a:fld>
             <a:endParaRPr lang="ko-KR" altLang="en-US"/>
           </a:p>
@@ -2074,7 +2074,7 @@
           <a:p>
             <a:fld id="{0F290978-2F1A-4716-ADFB-98DE0CA36D07}" type="datetimeFigureOut">
               <a:rPr lang="ko-KR" altLang="en-US" smtClean="0"/>
-              <a:t>2022-04-01</a:t>
+              <a:t>2022-04-11</a:t>
             </a:fld>
             <a:endParaRPr lang="ko-KR" altLang="en-US"/>
           </a:p>
@@ -2385,7 +2385,7 @@
           <a:p>
             <a:fld id="{0F290978-2F1A-4716-ADFB-98DE0CA36D07}" type="datetimeFigureOut">
               <a:rPr lang="ko-KR" altLang="en-US" smtClean="0"/>
-              <a:t>2022-04-01</a:t>
+              <a:t>2022-04-11</a:t>
             </a:fld>
             <a:endParaRPr lang="ko-KR" altLang="en-US"/>
           </a:p>
@@ -2673,7 +2673,7 @@
           <a:p>
             <a:fld id="{0F290978-2F1A-4716-ADFB-98DE0CA36D07}" type="datetimeFigureOut">
               <a:rPr lang="ko-KR" altLang="en-US" smtClean="0"/>
-              <a:t>2022-04-01</a:t>
+              <a:t>2022-04-11</a:t>
             </a:fld>
             <a:endParaRPr lang="ko-KR" altLang="en-US"/>
           </a:p>
@@ -2914,7 +2914,7 @@
           <a:p>
             <a:fld id="{0F290978-2F1A-4716-ADFB-98DE0CA36D07}" type="datetimeFigureOut">
               <a:rPr lang="ko-KR" altLang="en-US" smtClean="0"/>
-              <a:t>2022-04-01</a:t>
+              <a:t>2022-04-11</a:t>
             </a:fld>
             <a:endParaRPr lang="ko-KR" altLang="en-US"/>
           </a:p>
@@ -4225,7 +4225,7 @@
         <p:spPr/>
         <p:txBody>
           <a:bodyPr>
-            <a:normAutofit fontScale="92500"/>
+            <a:normAutofit fontScale="92500" lnSpcReduction="10000"/>
           </a:bodyPr>
           <a:lstStyle/>
           <a:p>
@@ -4239,7 +4239,7 @@
                   <a:srgbClr val="000000"/>
                 </a:solidFill>
                 <a:effectLst/>
-                <a:latin typeface="Helvetica Neue"/>
+                <a:ea typeface="+mj-ea"/>
               </a:rPr>
               <a:t>The left graph using soft margin is not affected by the fact that the learning results are far away.</a:t>
             </a:r>
@@ -4255,7 +4255,7 @@
                   <a:srgbClr val="000000"/>
                 </a:solidFill>
                 <a:effectLst/>
-                <a:latin typeface="Helvetica Neue"/>
+                <a:ea typeface="+mj-ea"/>
               </a:rPr>
               <a:t>The graph on the right using hard margin is greatly influenced by the point far away.</a:t>
             </a:r>
@@ -4271,7 +4271,7 @@
                   <a:srgbClr val="000000"/>
                 </a:solidFill>
                 <a:effectLst/>
-                <a:latin typeface="Helvetica Neue"/>
+                <a:ea typeface="+mj-ea"/>
               </a:rPr>
               <a:t>How much data in the margin is allowed in soft margin follows the hyperparameters set by the person himself.</a:t>
             </a:r>

--- a/2-4_SVM.pptx
+++ b/2-4_SVM.pptx
@@ -264,7 +264,7 @@
           <a:p>
             <a:fld id="{0F290978-2F1A-4716-ADFB-98DE0CA36D07}" type="datetimeFigureOut">
               <a:rPr lang="ko-KR" altLang="en-US" smtClean="0"/>
-              <a:t>2022-04-11</a:t>
+              <a:t>2022-04-12</a:t>
             </a:fld>
             <a:endParaRPr lang="ko-KR" altLang="en-US"/>
           </a:p>
@@ -462,7 +462,7 @@
           <a:p>
             <a:fld id="{0F290978-2F1A-4716-ADFB-98DE0CA36D07}" type="datetimeFigureOut">
               <a:rPr lang="ko-KR" altLang="en-US" smtClean="0"/>
-              <a:t>2022-04-11</a:t>
+              <a:t>2022-04-12</a:t>
             </a:fld>
             <a:endParaRPr lang="ko-KR" altLang="en-US"/>
           </a:p>
@@ -670,7 +670,7 @@
           <a:p>
             <a:fld id="{0F290978-2F1A-4716-ADFB-98DE0CA36D07}" type="datetimeFigureOut">
               <a:rPr lang="ko-KR" altLang="en-US" smtClean="0"/>
-              <a:t>2022-04-11</a:t>
+              <a:t>2022-04-12</a:t>
             </a:fld>
             <a:endParaRPr lang="ko-KR" altLang="en-US"/>
           </a:p>
@@ -868,7 +868,7 @@
           <a:p>
             <a:fld id="{0F290978-2F1A-4716-ADFB-98DE0CA36D07}" type="datetimeFigureOut">
               <a:rPr lang="ko-KR" altLang="en-US" smtClean="0"/>
-              <a:t>2022-04-11</a:t>
+              <a:t>2022-04-12</a:t>
             </a:fld>
             <a:endParaRPr lang="ko-KR" altLang="en-US"/>
           </a:p>
@@ -1143,7 +1143,7 @@
           <a:p>
             <a:fld id="{0F290978-2F1A-4716-ADFB-98DE0CA36D07}" type="datetimeFigureOut">
               <a:rPr lang="ko-KR" altLang="en-US" smtClean="0"/>
-              <a:t>2022-04-11</a:t>
+              <a:t>2022-04-12</a:t>
             </a:fld>
             <a:endParaRPr lang="ko-KR" altLang="en-US"/>
           </a:p>
@@ -1408,7 +1408,7 @@
           <a:p>
             <a:fld id="{0F290978-2F1A-4716-ADFB-98DE0CA36D07}" type="datetimeFigureOut">
               <a:rPr lang="ko-KR" altLang="en-US" smtClean="0"/>
-              <a:t>2022-04-11</a:t>
+              <a:t>2022-04-12</a:t>
             </a:fld>
             <a:endParaRPr lang="ko-KR" altLang="en-US"/>
           </a:p>
@@ -1820,7 +1820,7 @@
           <a:p>
             <a:fld id="{0F290978-2F1A-4716-ADFB-98DE0CA36D07}" type="datetimeFigureOut">
               <a:rPr lang="ko-KR" altLang="en-US" smtClean="0"/>
-              <a:t>2022-04-11</a:t>
+              <a:t>2022-04-12</a:t>
             </a:fld>
             <a:endParaRPr lang="ko-KR" altLang="en-US"/>
           </a:p>
@@ -1961,7 +1961,7 @@
           <a:p>
             <a:fld id="{0F290978-2F1A-4716-ADFB-98DE0CA36D07}" type="datetimeFigureOut">
               <a:rPr lang="ko-KR" altLang="en-US" smtClean="0"/>
-              <a:t>2022-04-11</a:t>
+              <a:t>2022-04-12</a:t>
             </a:fld>
             <a:endParaRPr lang="ko-KR" altLang="en-US"/>
           </a:p>
@@ -2074,7 +2074,7 @@
           <a:p>
             <a:fld id="{0F290978-2F1A-4716-ADFB-98DE0CA36D07}" type="datetimeFigureOut">
               <a:rPr lang="ko-KR" altLang="en-US" smtClean="0"/>
-              <a:t>2022-04-11</a:t>
+              <a:t>2022-04-12</a:t>
             </a:fld>
             <a:endParaRPr lang="ko-KR" altLang="en-US"/>
           </a:p>
@@ -2385,7 +2385,7 @@
           <a:p>
             <a:fld id="{0F290978-2F1A-4716-ADFB-98DE0CA36D07}" type="datetimeFigureOut">
               <a:rPr lang="ko-KR" altLang="en-US" smtClean="0"/>
-              <a:t>2022-04-11</a:t>
+              <a:t>2022-04-12</a:t>
             </a:fld>
             <a:endParaRPr lang="ko-KR" altLang="en-US"/>
           </a:p>
@@ -2673,7 +2673,7 @@
           <a:p>
             <a:fld id="{0F290978-2F1A-4716-ADFB-98DE0CA36D07}" type="datetimeFigureOut">
               <a:rPr lang="ko-KR" altLang="en-US" smtClean="0"/>
-              <a:t>2022-04-11</a:t>
+              <a:t>2022-04-12</a:t>
             </a:fld>
             <a:endParaRPr lang="ko-KR" altLang="en-US"/>
           </a:p>
@@ -2914,7 +2914,7 @@
           <a:p>
             <a:fld id="{0F290978-2F1A-4716-ADFB-98DE0CA36D07}" type="datetimeFigureOut">
               <a:rPr lang="ko-KR" altLang="en-US" smtClean="0"/>
-              <a:t>2022-04-11</a:t>
+              <a:t>2022-04-12</a:t>
             </a:fld>
             <a:endParaRPr lang="ko-KR" altLang="en-US"/>
           </a:p>
@@ -3425,6 +3425,52 @@
           </a:prstGeom>
         </p:spPr>
       </p:pic>
+      <p:sp>
+        <p:nvSpPr>
+          <p:cNvPr id="5" name="TextBox 4">
+            <a:extLst>
+              <a:ext uri="{FF2B5EF4-FFF2-40B4-BE49-F238E27FC236}">
+                <a16:creationId xmlns:a16="http://schemas.microsoft.com/office/drawing/2014/main" id="{5DA35E20-0A10-4988-9053-6CDF2C1AF839}"/>
+              </a:ext>
+            </a:extLst>
+          </p:cNvPr>
+          <p:cNvSpPr txBox="1"/>
+          <p:nvPr/>
+        </p:nvSpPr>
+        <p:spPr>
+          <a:xfrm>
+            <a:off x="0" y="6211669"/>
+            <a:ext cx="2805576" cy="646331"/>
+          </a:xfrm>
+          <a:prstGeom prst="rect">
+            <a:avLst/>
+          </a:prstGeom>
+          <a:noFill/>
+        </p:spPr>
+        <p:txBody>
+          <a:bodyPr wrap="none" rtlCol="0">
+            <a:spAutoFit/>
+          </a:bodyPr>
+          <a:lstStyle/>
+          <a:p>
+            <a:r>
+              <a:rPr lang="ko-KR" altLang="en-US" dirty="0"/>
+              <a:t>경희대학교 컴퓨터공학과</a:t>
+            </a:r>
+            <a:endParaRPr lang="en-US" altLang="ko-KR" dirty="0"/>
+          </a:p>
+          <a:p>
+            <a:r>
+              <a:rPr lang="en-US" altLang="ko-KR" dirty="0"/>
+              <a:t>2019102191 </a:t>
+            </a:r>
+            <a:r>
+              <a:rPr lang="ko-KR" altLang="en-US" dirty="0"/>
+              <a:t>신주영</a:t>
+            </a:r>
+          </a:p>
+        </p:txBody>
+      </p:sp>
     </p:spTree>
     <p:extLst>
       <p:ext uri="{BB962C8B-B14F-4D97-AF65-F5344CB8AC3E}">
